--- a/source/mapping_breakout_pi_tdt/pin_map.pptx
+++ b/source/mapping_breakout_pi_tdt/pin_map.pptx
@@ -6,6 +6,7 @@
   </p:sldMasterIdLst>
   <p:sldIdLst>
     <p:sldId id="256" r:id="rId2"/>
+    <p:sldId id="257" r:id="rId3"/>
   </p:sldIdLst>
   <p:sldSz cx="12192000" cy="6858000"/>
   <p:notesSz cx="6858000" cy="9144000"/>
@@ -104,6 +105,11 @@
       </a:defRPr>
     </a:lvl9pPr>
   </p:defaultTextStyle>
+  <p:extLst>
+    <p:ext uri="{EFAFB233-063F-42B5-8137-9DF3F51BA10A}">
+      <p15:sldGuideLst xmlns:p15="http://schemas.microsoft.com/office/powerpoint/2012/main"/>
+    </p:ext>
+  </p:extLst>
 </p:presentation>
 </file>
 
@@ -256,7 +262,7 @@
           <a:p>
             <a:fld id="{B034A977-BD7C-4544-BBAA-2741AEF44608}" type="datetimeFigureOut">
               <a:rPr lang="en-GB" smtClean="0"/>
-              <a:t>02/04/2025</a:t>
+              <a:t>10/06/2025</a:t>
             </a:fld>
             <a:endParaRPr lang="en-GB"/>
           </a:p>
@@ -456,7 +462,7 @@
           <a:p>
             <a:fld id="{B034A977-BD7C-4544-BBAA-2741AEF44608}" type="datetimeFigureOut">
               <a:rPr lang="en-GB" smtClean="0"/>
-              <a:t>02/04/2025</a:t>
+              <a:t>10/06/2025</a:t>
             </a:fld>
             <a:endParaRPr lang="en-GB"/>
           </a:p>
@@ -666,7 +672,7 @@
           <a:p>
             <a:fld id="{B034A977-BD7C-4544-BBAA-2741AEF44608}" type="datetimeFigureOut">
               <a:rPr lang="en-GB" smtClean="0"/>
-              <a:t>02/04/2025</a:t>
+              <a:t>10/06/2025</a:t>
             </a:fld>
             <a:endParaRPr lang="en-GB"/>
           </a:p>
@@ -866,7 +872,7 @@
           <a:p>
             <a:fld id="{B034A977-BD7C-4544-BBAA-2741AEF44608}" type="datetimeFigureOut">
               <a:rPr lang="en-GB" smtClean="0"/>
-              <a:t>02/04/2025</a:t>
+              <a:t>10/06/2025</a:t>
             </a:fld>
             <a:endParaRPr lang="en-GB"/>
           </a:p>
@@ -1142,7 +1148,7 @@
           <a:p>
             <a:fld id="{B034A977-BD7C-4544-BBAA-2741AEF44608}" type="datetimeFigureOut">
               <a:rPr lang="en-GB" smtClean="0"/>
-              <a:t>02/04/2025</a:t>
+              <a:t>10/06/2025</a:t>
             </a:fld>
             <a:endParaRPr lang="en-GB"/>
           </a:p>
@@ -1410,7 +1416,7 @@
           <a:p>
             <a:fld id="{B034A977-BD7C-4544-BBAA-2741AEF44608}" type="datetimeFigureOut">
               <a:rPr lang="en-GB" smtClean="0"/>
-              <a:t>02/04/2025</a:t>
+              <a:t>10/06/2025</a:t>
             </a:fld>
             <a:endParaRPr lang="en-GB"/>
           </a:p>
@@ -1825,7 +1831,7 @@
           <a:p>
             <a:fld id="{B034A977-BD7C-4544-BBAA-2741AEF44608}" type="datetimeFigureOut">
               <a:rPr lang="en-GB" smtClean="0"/>
-              <a:t>02/04/2025</a:t>
+              <a:t>10/06/2025</a:t>
             </a:fld>
             <a:endParaRPr lang="en-GB"/>
           </a:p>
@@ -1967,7 +1973,7 @@
           <a:p>
             <a:fld id="{B034A977-BD7C-4544-BBAA-2741AEF44608}" type="datetimeFigureOut">
               <a:rPr lang="en-GB" smtClean="0"/>
-              <a:t>02/04/2025</a:t>
+              <a:t>10/06/2025</a:t>
             </a:fld>
             <a:endParaRPr lang="en-GB"/>
           </a:p>
@@ -2080,7 +2086,7 @@
           <a:p>
             <a:fld id="{B034A977-BD7C-4544-BBAA-2741AEF44608}" type="datetimeFigureOut">
               <a:rPr lang="en-GB" smtClean="0"/>
-              <a:t>02/04/2025</a:t>
+              <a:t>10/06/2025</a:t>
             </a:fld>
             <a:endParaRPr lang="en-GB"/>
           </a:p>
@@ -2393,7 +2399,7 @@
           <a:p>
             <a:fld id="{B034A977-BD7C-4544-BBAA-2741AEF44608}" type="datetimeFigureOut">
               <a:rPr lang="en-GB" smtClean="0"/>
-              <a:t>02/04/2025</a:t>
+              <a:t>10/06/2025</a:t>
             </a:fld>
             <a:endParaRPr lang="en-GB"/>
           </a:p>
@@ -2682,7 +2688,7 @@
           <a:p>
             <a:fld id="{B034A977-BD7C-4544-BBAA-2741AEF44608}" type="datetimeFigureOut">
               <a:rPr lang="en-GB" smtClean="0"/>
-              <a:t>02/04/2025</a:t>
+              <a:t>10/06/2025</a:t>
             </a:fld>
             <a:endParaRPr lang="en-GB"/>
           </a:p>
@@ -2925,7 +2931,7 @@
           <a:p>
             <a:fld id="{B034A977-BD7C-4544-BBAA-2741AEF44608}" type="datetimeFigureOut">
               <a:rPr lang="en-GB" smtClean="0"/>
-              <a:t>02/04/2025</a:t>
+              <a:t>10/06/2025</a:t>
             </a:fld>
             <a:endParaRPr lang="en-GB"/>
           </a:p>
@@ -3771,105 +3777,37 @@
           <a:lstStyle/>
           <a:p>
             <a:r>
-              <a:rPr lang="en-GB" sz="1200" dirty="0" err="1"/>
-              <a:t>gpio_pins_per_device</a:t>
-            </a:r>
-            <a:r>
-              <a:rPr lang="en-GB" sz="1200" dirty="0"/>
-              <a:t> = {</a:t>
-            </a:r>
-          </a:p>
-          <a:p>
-            <a:r>
-              <a:rPr lang="en-GB" sz="1200" dirty="0">
+              <a:rPr lang="en-GB" sz="1200" noProof="1"/>
+              <a:t>gpio_pins_per_device = {</a:t>
+            </a:r>
+          </a:p>
+          <a:p>
+            <a:r>
+              <a:rPr lang="en-GB" sz="1200" noProof="1">
                 <a:solidFill>
                   <a:srgbClr val="00B0F0"/>
                 </a:solidFill>
               </a:rPr>
-              <a:t>    'Port 1': {"</a:t>
-            </a:r>
-            <a:r>
-              <a:rPr lang="en-GB" sz="1200" dirty="0" err="1">
-                <a:solidFill>
-                  <a:srgbClr val="00B0F0"/>
-                </a:solidFill>
-              </a:rPr>
-              <a:t>LeftPoke</a:t>
-            </a:r>
-            <a:r>
-              <a:rPr lang="en-GB" sz="1200" dirty="0">
-                <a:solidFill>
-                  <a:srgbClr val="00B0F0"/>
-                </a:solidFill>
-              </a:rPr>
-              <a:t>": 17, "</a:t>
-            </a:r>
-            <a:r>
-              <a:rPr lang="en-GB" sz="1200" dirty="0" err="1">
-                <a:solidFill>
-                  <a:srgbClr val="00B0F0"/>
-                </a:solidFill>
-              </a:rPr>
-              <a:t>RightPoke</a:t>
-            </a:r>
-            <a:r>
-              <a:rPr lang="en-GB" sz="1200" dirty="0">
-                <a:solidFill>
-                  <a:srgbClr val="00B0F0"/>
-                </a:solidFill>
-              </a:rPr>
-              <a:t>": 27, "Pellet": 22},</a:t>
-            </a:r>
-          </a:p>
-          <a:p>
-            <a:r>
-              <a:rPr lang="en-GB" sz="1200" dirty="0"/>
+              <a:t>    'Port 1': {"LeftPoke": 17, "RightPoke": 27, "Pellet": 22},</a:t>
+            </a:r>
+          </a:p>
+          <a:p>
+            <a:r>
+              <a:rPr lang="en-GB" sz="1200" noProof="1"/>
               <a:t>    </a:t>
             </a:r>
             <a:r>
-              <a:rPr lang="en-GB" sz="1200" dirty="0">
+              <a:rPr lang="en-GB" sz="1200" noProof="1">
                 <a:solidFill>
                   <a:srgbClr val="FF0000"/>
                 </a:solidFill>
               </a:rPr>
-              <a:t>'Port 2': {"</a:t>
-            </a:r>
-            <a:r>
-              <a:rPr lang="en-GB" sz="1200" dirty="0" err="1">
-                <a:solidFill>
-                  <a:srgbClr val="FF0000"/>
-                </a:solidFill>
-              </a:rPr>
-              <a:t>LeftPoke</a:t>
-            </a:r>
-            <a:r>
-              <a:rPr lang="en-GB" sz="1200" dirty="0">
-                <a:solidFill>
-                  <a:srgbClr val="FF0000"/>
-                </a:solidFill>
-              </a:rPr>
-              <a:t>": 10, "</a:t>
-            </a:r>
-            <a:r>
-              <a:rPr lang="en-GB" sz="1200" dirty="0" err="1">
-                <a:solidFill>
-                  <a:srgbClr val="FF0000"/>
-                </a:solidFill>
-              </a:rPr>
-              <a:t>RightPoke</a:t>
-            </a:r>
-            <a:r>
-              <a:rPr lang="en-GB" sz="1200" dirty="0">
-                <a:solidFill>
-                  <a:srgbClr val="FF0000"/>
-                </a:solidFill>
-              </a:rPr>
-              <a:t>": 9,  "Pellet": 11},</a:t>
-            </a:r>
-          </a:p>
-          <a:p>
-            <a:r>
-              <a:rPr lang="en-GB" sz="1200" dirty="0">
+              <a:t>'Port 2': {"LeftPoke": 10, "RightPoke": 9,  "Pellet": 11},</a:t>
+            </a:r>
+          </a:p>
+          <a:p>
+            <a:r>
+              <a:rPr lang="en-GB" sz="1200" noProof="1">
                 <a:solidFill>
                   <a:srgbClr val="7030A0"/>
                 </a:solidFill>
@@ -3877,299 +3815,75 @@
               <a:t>    </a:t>
             </a:r>
             <a:r>
-              <a:rPr lang="en-GB" sz="1200" dirty="0">
+              <a:rPr lang="en-GB" sz="1200" noProof="1">
                 <a:solidFill>
                   <a:srgbClr val="FFC000"/>
                 </a:solidFill>
               </a:rPr>
-              <a:t>'Port 3': {"</a:t>
-            </a:r>
-            <a:r>
-              <a:rPr lang="en-GB" sz="1200" dirty="0" err="1">
-                <a:solidFill>
-                  <a:srgbClr val="FFC000"/>
-                </a:solidFill>
-              </a:rPr>
-              <a:t>LeftPoke</a:t>
-            </a:r>
-            <a:r>
-              <a:rPr lang="en-GB" sz="1200" dirty="0">
-                <a:solidFill>
-                  <a:srgbClr val="FFC000"/>
-                </a:solidFill>
-              </a:rPr>
-              <a:t>": 0,  "</a:t>
-            </a:r>
-            <a:r>
-              <a:rPr lang="en-GB" sz="1200" dirty="0" err="1">
-                <a:solidFill>
-                  <a:srgbClr val="FFC000"/>
-                </a:solidFill>
-              </a:rPr>
-              <a:t>RightPoke</a:t>
-            </a:r>
-            <a:r>
-              <a:rPr lang="en-GB" sz="1200" dirty="0">
-                <a:solidFill>
-                  <a:srgbClr val="FFC000"/>
-                </a:solidFill>
-              </a:rPr>
-              <a:t>": 5,  "Pellet": 6},</a:t>
-            </a:r>
-          </a:p>
-          <a:p>
-            <a:r>
-              <a:rPr lang="en-GB" sz="1200" dirty="0">
+              <a:t>'Port 3': {"LeftPoke": 0,  "RightPoke": 5,  "Pellet": 6},</a:t>
+            </a:r>
+          </a:p>
+          <a:p>
+            <a:r>
+              <a:rPr lang="en-GB" sz="1200" noProof="1">
                 <a:solidFill>
                   <a:srgbClr val="00B050"/>
                 </a:solidFill>
               </a:rPr>
-              <a:t>    'Port 4': {"</a:t>
-            </a:r>
-            <a:r>
-              <a:rPr lang="en-GB" sz="1200" dirty="0" err="1">
-                <a:solidFill>
-                  <a:srgbClr val="00B050"/>
-                </a:solidFill>
-              </a:rPr>
-              <a:t>LeftPoke</a:t>
-            </a:r>
-            <a:r>
-              <a:rPr lang="en-GB" sz="1200" dirty="0">
-                <a:solidFill>
-                  <a:srgbClr val="00B050"/>
-                </a:solidFill>
-              </a:rPr>
-              <a:t>": 13, "</a:t>
-            </a:r>
-            <a:r>
-              <a:rPr lang="en-GB" sz="1200" dirty="0" err="1">
-                <a:solidFill>
-                  <a:srgbClr val="00B050"/>
-                </a:solidFill>
-              </a:rPr>
-              <a:t>RightPoke</a:t>
-            </a:r>
-            <a:r>
-              <a:rPr lang="en-GB" sz="1200" dirty="0">
-                <a:solidFill>
-                  <a:srgbClr val="00B050"/>
-                </a:solidFill>
-              </a:rPr>
-              <a:t>": 19, "Pellet": 26},</a:t>
-            </a:r>
-          </a:p>
-          <a:p>
-            <a:r>
-              <a:rPr lang="en-GB" sz="1200" dirty="0">
+              <a:t>    'Port 4': {"LeftPoke": 13, "RightPoke": 19, "Pellet": 26},</a:t>
+            </a:r>
+          </a:p>
+          <a:p>
+            <a:r>
+              <a:rPr lang="en-GB" sz="1200" noProof="1">
                 <a:solidFill>
                   <a:schemeClr val="bg1">
                     <a:lumMod val="75000"/>
                   </a:schemeClr>
                 </a:solidFill>
               </a:rPr>
-              <a:t>    'Port 5': {"</a:t>
-            </a:r>
-            <a:r>
-              <a:rPr lang="en-GB" sz="1200" dirty="0" err="1">
+              <a:t>    'Port 5': {"LeftPoke": 14, "RightPoke": 15, "Pellet": 18},</a:t>
+            </a:r>
+          </a:p>
+          <a:p>
+            <a:r>
+              <a:rPr lang="en-GB" sz="1200" noProof="1">
                 <a:solidFill>
                   <a:schemeClr val="bg1">
                     <a:lumMod val="75000"/>
                   </a:schemeClr>
                 </a:solidFill>
               </a:rPr>
-              <a:t>LeftPoke</a:t>
-            </a:r>
-            <a:r>
-              <a:rPr lang="en-GB" sz="1200" dirty="0">
+              <a:t>    'Port 6': {"LeftPoke": 23, "RightPoke": 24, "Pellet": 25},</a:t>
+            </a:r>
+          </a:p>
+          <a:p>
+            <a:r>
+              <a:rPr lang="en-GB" sz="1200" noProof="1">
                 <a:solidFill>
                   <a:schemeClr val="bg1">
                     <a:lumMod val="75000"/>
                   </a:schemeClr>
                 </a:solidFill>
               </a:rPr>
-              <a:t>": 14, "</a:t>
-            </a:r>
-            <a:r>
-              <a:rPr lang="en-GB" sz="1200" dirty="0" err="1">
+              <a:t>    'Port 7': {"LeftPoke": 8,  "RightPoke": 7,  "Pellet": 1},</a:t>
+            </a:r>
+          </a:p>
+          <a:p>
+            <a:r>
+              <a:rPr lang="en-GB" sz="1200" noProof="1">
                 <a:solidFill>
                   <a:schemeClr val="bg1">
                     <a:lumMod val="75000"/>
                   </a:schemeClr>
                 </a:solidFill>
               </a:rPr>
-              <a:t>RightPoke</a:t>
-            </a:r>
-            <a:r>
-              <a:rPr lang="en-GB" sz="1200" dirty="0">
-                <a:solidFill>
-                  <a:schemeClr val="bg1">
-                    <a:lumMod val="75000"/>
-                  </a:schemeClr>
-                </a:solidFill>
-              </a:rPr>
-              <a:t>": 15, "Pellet": 18},</a:t>
-            </a:r>
-          </a:p>
-          <a:p>
-            <a:r>
-              <a:rPr lang="en-GB" sz="1200" dirty="0">
-                <a:solidFill>
-                  <a:schemeClr val="bg1">
-                    <a:lumMod val="75000"/>
-                  </a:schemeClr>
-                </a:solidFill>
-              </a:rPr>
-              <a:t>    'Port 6': {"</a:t>
-            </a:r>
-            <a:r>
-              <a:rPr lang="en-GB" sz="1200" dirty="0" err="1">
-                <a:solidFill>
-                  <a:schemeClr val="bg1">
-                    <a:lumMod val="75000"/>
-                  </a:schemeClr>
-                </a:solidFill>
-              </a:rPr>
-              <a:t>LeftPoke</a:t>
-            </a:r>
-            <a:r>
-              <a:rPr lang="en-GB" sz="1200" dirty="0">
-                <a:solidFill>
-                  <a:schemeClr val="bg1">
-                    <a:lumMod val="75000"/>
-                  </a:schemeClr>
-                </a:solidFill>
-              </a:rPr>
-              <a:t>": 23, "</a:t>
-            </a:r>
-            <a:r>
-              <a:rPr lang="en-GB" sz="1200" dirty="0" err="1">
-                <a:solidFill>
-                  <a:schemeClr val="bg1">
-                    <a:lumMod val="75000"/>
-                  </a:schemeClr>
-                </a:solidFill>
-              </a:rPr>
-              <a:t>RightPoke</a:t>
-            </a:r>
-            <a:r>
-              <a:rPr lang="en-GB" sz="1200" dirty="0">
-                <a:solidFill>
-                  <a:schemeClr val="bg1">
-                    <a:lumMod val="75000"/>
-                  </a:schemeClr>
-                </a:solidFill>
-              </a:rPr>
-              <a:t>": 24, "Pellet": 25},</a:t>
-            </a:r>
-          </a:p>
-          <a:p>
-            <a:r>
-              <a:rPr lang="en-GB" sz="1200" dirty="0">
-                <a:solidFill>
-                  <a:schemeClr val="bg1">
-                    <a:lumMod val="75000"/>
-                  </a:schemeClr>
-                </a:solidFill>
-              </a:rPr>
-              <a:t>    'Port 7': {"</a:t>
-            </a:r>
-            <a:r>
-              <a:rPr lang="en-GB" sz="1200" dirty="0" err="1">
-                <a:solidFill>
-                  <a:schemeClr val="bg1">
-                    <a:lumMod val="75000"/>
-                  </a:schemeClr>
-                </a:solidFill>
-              </a:rPr>
-              <a:t>LeftPoke</a:t>
-            </a:r>
-            <a:r>
-              <a:rPr lang="en-GB" sz="1200" dirty="0">
-                <a:solidFill>
-                  <a:schemeClr val="bg1">
-                    <a:lumMod val="75000"/>
-                  </a:schemeClr>
-                </a:solidFill>
-              </a:rPr>
-              <a:t>": 8,  "</a:t>
-            </a:r>
-            <a:r>
-              <a:rPr lang="en-GB" sz="1200" dirty="0" err="1">
-                <a:solidFill>
-                  <a:schemeClr val="bg1">
-                    <a:lumMod val="75000"/>
-                  </a:schemeClr>
-                </a:solidFill>
-              </a:rPr>
-              <a:t>RightPoke</a:t>
-            </a:r>
-            <a:r>
-              <a:rPr lang="en-GB" sz="1200" dirty="0">
-                <a:solidFill>
-                  <a:schemeClr val="bg1">
-                    <a:lumMod val="75000"/>
-                  </a:schemeClr>
-                </a:solidFill>
-              </a:rPr>
-              <a:t>": 7,  "Pellet": 1},</a:t>
-            </a:r>
-          </a:p>
-          <a:p>
-            <a:r>
-              <a:rPr lang="en-GB" sz="1200" dirty="0">
-                <a:solidFill>
-                  <a:schemeClr val="bg1">
-                    <a:lumMod val="75000"/>
-                  </a:schemeClr>
-                </a:solidFill>
-              </a:rPr>
-              <a:t>    'Port 8': {"</a:t>
-            </a:r>
-            <a:r>
-              <a:rPr lang="en-GB" sz="1200" dirty="0" err="1">
-                <a:solidFill>
-                  <a:schemeClr val="bg1">
-                    <a:lumMod val="75000"/>
-                  </a:schemeClr>
-                </a:solidFill>
-              </a:rPr>
-              <a:t>LeftPoke</a:t>
-            </a:r>
-            <a:r>
-              <a:rPr lang="en-GB" sz="1200" dirty="0">
-                <a:solidFill>
-                  <a:schemeClr val="bg1">
-                    <a:lumMod val="75000"/>
-                  </a:schemeClr>
-                </a:solidFill>
-              </a:rPr>
-              <a:t>": 12, "</a:t>
-            </a:r>
-            <a:r>
-              <a:rPr lang="en-GB" sz="1200" dirty="0" err="1">
-                <a:solidFill>
-                  <a:schemeClr val="bg1">
-                    <a:lumMod val="75000"/>
-                  </a:schemeClr>
-                </a:solidFill>
-              </a:rPr>
-              <a:t>RightPoke</a:t>
-            </a:r>
-            <a:r>
-              <a:rPr lang="en-GB" sz="1200" dirty="0">
-                <a:solidFill>
-                  <a:schemeClr val="bg1">
-                    <a:lumMod val="75000"/>
-                  </a:schemeClr>
-                </a:solidFill>
-              </a:rPr>
-              <a:t>": 16, "Pellet": 20},</a:t>
-            </a:r>
-          </a:p>
-          <a:p>
-            <a:r>
-              <a:rPr lang="en-GB" sz="1200" dirty="0"/>
+              <a:t>    'Port 8': {"LeftPoke": 12, "RightPoke": 16, "Pellet": 20},</a:t>
+            </a:r>
+          </a:p>
+          <a:p>
+            <a:r>
+              <a:rPr lang="en-GB" sz="1200" noProof="1"/>
               <a:t>}</a:t>
             </a:r>
           </a:p>
@@ -4235,8 +3949,8 @@
         </p:nvSpPr>
         <p:spPr>
           <a:xfrm>
-            <a:off x="1555058" y="1384948"/>
-            <a:ext cx="386644" cy="369332"/>
+            <a:off x="671130" y="1384948"/>
+            <a:ext cx="2825389" cy="369332"/>
           </a:xfrm>
           <a:prstGeom prst="rect">
             <a:avLst/>
@@ -4251,7 +3965,7 @@
           <a:p>
             <a:r>
               <a:rPr lang="en-GB" b="1" dirty="0"/>
-              <a:t>Pi</a:t>
+              <a:t>Raspberry Pi GPIO pinout</a:t>
             </a:r>
           </a:p>
         </p:txBody>
@@ -4270,8 +3984,8 @@
         </p:nvSpPr>
         <p:spPr>
           <a:xfrm>
-            <a:off x="7983185" y="1384948"/>
-            <a:ext cx="576889" cy="369332"/>
+            <a:off x="7513239" y="1065018"/>
+            <a:ext cx="2414892" cy="369332"/>
           </a:xfrm>
           <a:prstGeom prst="rect">
             <a:avLst/>
@@ -4286,7 +4000,7 @@
           <a:p>
             <a:r>
               <a:rPr lang="en-GB" b="1" dirty="0"/>
-              <a:t>TDT</a:t>
+              <a:t>Db25 breakout to TDT</a:t>
             </a:r>
           </a:p>
         </p:txBody>
@@ -4295,6 +4009,698 @@
     <p:extLst>
       <p:ext uri="{BB962C8B-B14F-4D97-AF65-F5344CB8AC3E}">
         <p14:creationId xmlns:p14="http://schemas.microsoft.com/office/powerpoint/2010/main" val="864208414"/>
+      </p:ext>
+    </p:extLst>
+  </p:cSld>
+  <p:clrMapOvr>
+    <a:masterClrMapping/>
+  </p:clrMapOvr>
+</p:sld>
+</file>
+
+<file path=ppt/slides/slide2.xml><?xml version="1.0" encoding="utf-8"?>
+<p:sld xmlns:a="http://schemas.openxmlformats.org/drawingml/2006/main" xmlns:r="http://schemas.openxmlformats.org/officeDocument/2006/relationships" xmlns:p="http://schemas.openxmlformats.org/presentationml/2006/main">
+  <p:cSld>
+    <p:spTree>
+      <p:nvGrpSpPr>
+        <p:cNvPr id="1" name="">
+          <a:extLst>
+            <a:ext uri="{FF2B5EF4-FFF2-40B4-BE49-F238E27FC236}">
+              <a16:creationId xmlns:a16="http://schemas.microsoft.com/office/drawing/2014/main" id="{6D802905-845F-26FF-EE86-C3289369ABF4}"/>
+            </a:ext>
+          </a:extLst>
+        </p:cNvPr>
+        <p:cNvGrpSpPr/>
+        <p:nvPr/>
+      </p:nvGrpSpPr>
+      <p:grpSpPr>
+        <a:xfrm>
+          <a:off x="0" y="0"/>
+          <a:ext cx="0" cy="0"/>
+          <a:chOff x="0" y="0"/>
+          <a:chExt cx="0" cy="0"/>
+        </a:xfrm>
+      </p:grpSpPr>
+      <p:pic>
+        <p:nvPicPr>
+          <p:cNvPr id="7" name="Picture 6">
+            <a:extLst>
+              <a:ext uri="{FF2B5EF4-FFF2-40B4-BE49-F238E27FC236}">
+                <a16:creationId xmlns:a16="http://schemas.microsoft.com/office/drawing/2014/main" id="{6C86F9F1-1C7A-4066-FFE1-6988C313247E}"/>
+              </a:ext>
+            </a:extLst>
+          </p:cNvPr>
+          <p:cNvPicPr>
+            <a:picLocks noChangeAspect="1"/>
+          </p:cNvPicPr>
+          <p:nvPr/>
+        </p:nvPicPr>
+        <p:blipFill>
+          <a:blip r:embed="rId2">
+            <a:extLst>
+              <a:ext uri="{BEBA8EAE-BF5A-486C-A8C5-ECC9F3942E4B}">
+                <a14:imgProps xmlns:a14="http://schemas.microsoft.com/office/drawing/2010/main">
+                  <a14:imgLayer r:embed="rId3">
+                    <a14:imgEffect>
+                      <a14:backgroundRemoval t="9328" b="89805" l="8054" r="96141">
+                        <a14:foregroundMark x1="8054" y1="47939" x2="8054" y2="47939"/>
+                        <a14:foregroundMark x1="92953" y1="41866" x2="92953" y2="41866"/>
+                        <a14:foregroundMark x1="93289" y1="34490" x2="93289" y2="34490"/>
+                        <a14:foregroundMark x1="96141" y1="36443" x2="96141" y2="36443"/>
+                        <a14:foregroundMark x1="8054" y1="75705" x2="8054" y2="75705"/>
+                      </a14:backgroundRemoval>
+                    </a14:imgEffect>
+                  </a14:imgLayer>
+                </a14:imgProps>
+              </a:ext>
+            </a:extLst>
+          </a:blip>
+          <a:stretch>
+            <a:fillRect/>
+          </a:stretch>
+        </p:blipFill>
+        <p:spPr>
+          <a:xfrm>
+            <a:off x="865981" y="546243"/>
+            <a:ext cx="2611048" cy="2019620"/>
+          </a:xfrm>
+          <a:prstGeom prst="rect">
+            <a:avLst/>
+          </a:prstGeom>
+        </p:spPr>
+      </p:pic>
+      <p:pic>
+        <p:nvPicPr>
+          <p:cNvPr id="9" name="Picture 8">
+            <a:extLst>
+              <a:ext uri="{FF2B5EF4-FFF2-40B4-BE49-F238E27FC236}">
+                <a16:creationId xmlns:a16="http://schemas.microsoft.com/office/drawing/2014/main" id="{52B9289C-90F6-6FB7-B91B-13A07A203C58}"/>
+              </a:ext>
+            </a:extLst>
+          </p:cNvPr>
+          <p:cNvPicPr>
+            <a:picLocks noChangeAspect="1"/>
+          </p:cNvPicPr>
+          <p:nvPr/>
+        </p:nvPicPr>
+        <p:blipFill>
+          <a:blip r:embed="rId4">
+            <a:extLst>
+              <a:ext uri="{BEBA8EAE-BF5A-486C-A8C5-ECC9F3942E4B}">
+                <a14:imgProps xmlns:a14="http://schemas.microsoft.com/office/drawing/2010/main">
+                  <a14:imgLayer r:embed="rId5">
+                    <a14:imgEffect>
+                      <a14:backgroundRemoval t="9032" b="89032" l="6931" r="97525">
+                        <a14:foregroundMark x1="70297" y1="63871" x2="70297" y2="63871"/>
+                        <a14:foregroundMark x1="71617" y1="53118" x2="71617" y2="53118"/>
+                        <a14:foregroundMark x1="86304" y1="50968" x2="54620" y2="72688"/>
+                        <a14:foregroundMark x1="75248" y1="44946" x2="48350" y2="67957"/>
+                        <a14:foregroundMark x1="90594" y1="50538" x2="76568" y2="70753"/>
+                        <a14:foregroundMark x1="76568" y1="70753" x2="52805" y2="75269"/>
+                        <a14:foregroundMark x1="52805" y1="75269" x2="59901" y2="52903"/>
+                        <a14:foregroundMark x1="59901" y1="52903" x2="80033" y2="48387"/>
+                        <a14:foregroundMark x1="80033" y1="48387" x2="87624" y2="48387"/>
+                        <a14:foregroundMark x1="93234" y1="44946" x2="93234" y2="44946"/>
+                        <a14:foregroundMark x1="92904" y1="40860" x2="95545" y2="51398"/>
+                        <a14:foregroundMark x1="55941" y1="86022" x2="45875" y2="82151"/>
+                        <a14:foregroundMark x1="51650" y1="70538" x2="44884" y2="89032"/>
+                        <a14:foregroundMark x1="37954" y1="84301" x2="16172" y2="68817"/>
+                        <a14:foregroundMark x1="16172" y1="68817" x2="6931" y2="51828"/>
+                        <a14:foregroundMark x1="60561" y1="54409" x2="38944" y2="83441"/>
+                        <a14:foregroundMark x1="55281" y1="80000" x2="45215" y2="78710"/>
+                        <a14:foregroundMark x1="89934" y1="48387" x2="97525" y2="51398"/>
+                      </a14:backgroundRemoval>
+                    </a14:imgEffect>
+                  </a14:imgLayer>
+                </a14:imgProps>
+              </a:ext>
+            </a:extLst>
+          </a:blip>
+          <a:stretch>
+            <a:fillRect/>
+          </a:stretch>
+        </p:blipFill>
+        <p:spPr>
+          <a:xfrm>
+            <a:off x="7641306" y="480439"/>
+            <a:ext cx="2774183" cy="2128705"/>
+          </a:xfrm>
+          <a:prstGeom prst="rect">
+            <a:avLst/>
+          </a:prstGeom>
+        </p:spPr>
+      </p:pic>
+      <p:sp>
+        <p:nvSpPr>
+          <p:cNvPr id="14" name="TextBox 13">
+            <a:extLst>
+              <a:ext uri="{FF2B5EF4-FFF2-40B4-BE49-F238E27FC236}">
+                <a16:creationId xmlns:a16="http://schemas.microsoft.com/office/drawing/2014/main" id="{16FF6D04-ABC4-80ED-77FF-6C3F1E636262}"/>
+              </a:ext>
+            </a:extLst>
+          </p:cNvPr>
+          <p:cNvSpPr txBox="1"/>
+          <p:nvPr/>
+        </p:nvSpPr>
+        <p:spPr>
+          <a:xfrm>
+            <a:off x="5975618" y="2506272"/>
+            <a:ext cx="3014946" cy="2246769"/>
+          </a:xfrm>
+          <a:prstGeom prst="rect">
+            <a:avLst/>
+          </a:prstGeom>
+          <a:noFill/>
+          <a:ln w="28575">
+            <a:solidFill>
+              <a:schemeClr val="bg2">
+                <a:lumMod val="10000"/>
+              </a:schemeClr>
+            </a:solidFill>
+          </a:ln>
+        </p:spPr>
+        <p:txBody>
+          <a:bodyPr wrap="square" rtlCol="0">
+            <a:spAutoFit/>
+          </a:bodyPr>
+          <a:lstStyle/>
+          <a:p>
+            <a:r>
+              <a:rPr lang="en-GB" sz="1400" b="1" dirty="0">
+                <a:latin typeface="Cascadia Code" panose="020B0609020000020004" pitchFamily="49" charset="0"/>
+                <a:cs typeface="Cascadia Code" panose="020B0609020000020004" pitchFamily="49" charset="0"/>
+              </a:rPr>
+              <a:t>Port 1/2</a:t>
+            </a:r>
+          </a:p>
+          <a:p>
+            <a:r>
+              <a:rPr lang="en-GB" sz="1400" b="1" dirty="0">
+                <a:latin typeface="Cascadia Code" panose="020B0609020000020004" pitchFamily="49" charset="0"/>
+                <a:cs typeface="Cascadia Code" panose="020B0609020000020004" pitchFamily="49" charset="0"/>
+              </a:rPr>
+              <a:t>Db25 Pin		Pi pin</a:t>
+            </a:r>
+          </a:p>
+          <a:p>
+            <a:r>
+              <a:rPr lang="en-GB" sz="1400" dirty="0">
+                <a:solidFill>
+                  <a:srgbClr val="00B0F0"/>
+                </a:solidFill>
+                <a:latin typeface="Cascadia Code" panose="020B0609020000020004" pitchFamily="49" charset="0"/>
+                <a:cs typeface="Cascadia Code" panose="020B0609020000020004" pitchFamily="49" charset="0"/>
+              </a:rPr>
+              <a:t>1 		Right 27</a:t>
+            </a:r>
+          </a:p>
+          <a:p>
+            <a:r>
+              <a:rPr lang="en-GB" sz="1400" dirty="0">
+                <a:solidFill>
+                  <a:srgbClr val="00B0F0"/>
+                </a:solidFill>
+                <a:latin typeface="Cascadia Code" panose="020B0609020000020004" pitchFamily="49" charset="0"/>
+                <a:cs typeface="Cascadia Code" panose="020B0609020000020004" pitchFamily="49" charset="0"/>
+              </a:rPr>
+              <a:t>14 		Left 17</a:t>
+            </a:r>
+          </a:p>
+          <a:p>
+            <a:r>
+              <a:rPr lang="en-GB" sz="1400" dirty="0">
+                <a:solidFill>
+                  <a:srgbClr val="00B0F0"/>
+                </a:solidFill>
+                <a:latin typeface="Cascadia Code" panose="020B0609020000020004" pitchFamily="49" charset="0"/>
+                <a:cs typeface="Cascadia Code" panose="020B0609020000020004" pitchFamily="49" charset="0"/>
+              </a:rPr>
+              <a:t>2 		Pellet 22</a:t>
+            </a:r>
+          </a:p>
+          <a:p>
+            <a:r>
+              <a:rPr lang="en-GB" sz="1400" dirty="0">
+                <a:solidFill>
+                  <a:srgbClr val="FF0000"/>
+                </a:solidFill>
+                <a:latin typeface="Cascadia Code" panose="020B0609020000020004" pitchFamily="49" charset="0"/>
+                <a:cs typeface="Cascadia Code" panose="020B0609020000020004" pitchFamily="49" charset="0"/>
+              </a:rPr>
+              <a:t>15 		Right 9</a:t>
+            </a:r>
+          </a:p>
+          <a:p>
+            <a:r>
+              <a:rPr lang="en-GB" sz="1400" dirty="0">
+                <a:solidFill>
+                  <a:srgbClr val="FF0000"/>
+                </a:solidFill>
+                <a:latin typeface="Cascadia Code" panose="020B0609020000020004" pitchFamily="49" charset="0"/>
+                <a:cs typeface="Cascadia Code" panose="020B0609020000020004" pitchFamily="49" charset="0"/>
+              </a:rPr>
+              <a:t>3 		Left 10</a:t>
+            </a:r>
+          </a:p>
+          <a:p>
+            <a:r>
+              <a:rPr lang="en-GB" sz="1400" dirty="0">
+                <a:solidFill>
+                  <a:srgbClr val="FF0000"/>
+                </a:solidFill>
+                <a:latin typeface="Cascadia Code" panose="020B0609020000020004" pitchFamily="49" charset="0"/>
+                <a:cs typeface="Cascadia Code" panose="020B0609020000020004" pitchFamily="49" charset="0"/>
+              </a:rPr>
+              <a:t>16 		Pellet 11</a:t>
+            </a:r>
+          </a:p>
+          <a:p>
+            <a:r>
+              <a:rPr lang="en-GB" sz="1400" dirty="0">
+                <a:solidFill>
+                  <a:srgbClr val="7030A0"/>
+                </a:solidFill>
+                <a:latin typeface="Cascadia Code" panose="020B0609020000020004" pitchFamily="49" charset="0"/>
+                <a:cs typeface="Cascadia Code" panose="020B0609020000020004" pitchFamily="49" charset="0"/>
+              </a:rPr>
+              <a:t>5 		Ground </a:t>
+            </a:r>
+          </a:p>
+          <a:p>
+            <a:endParaRPr lang="en-GB" sz="1400" dirty="0">
+              <a:latin typeface="Cascadia Code" panose="020B0609020000020004" pitchFamily="49" charset="0"/>
+              <a:cs typeface="Cascadia Code" panose="020B0609020000020004" pitchFamily="49" charset="0"/>
+            </a:endParaRPr>
+          </a:p>
+        </p:txBody>
+      </p:sp>
+      <p:sp>
+        <p:nvSpPr>
+          <p:cNvPr id="16" name="TextBox 15">
+            <a:extLst>
+              <a:ext uri="{FF2B5EF4-FFF2-40B4-BE49-F238E27FC236}">
+                <a16:creationId xmlns:a16="http://schemas.microsoft.com/office/drawing/2014/main" id="{180A425A-3219-DD74-3520-9D07A68276C8}"/>
+              </a:ext>
+            </a:extLst>
+          </p:cNvPr>
+          <p:cNvSpPr txBox="1"/>
+          <p:nvPr/>
+        </p:nvSpPr>
+        <p:spPr>
+          <a:xfrm>
+            <a:off x="9028397" y="2495569"/>
+            <a:ext cx="3014946" cy="2246769"/>
+          </a:xfrm>
+          <a:prstGeom prst="rect">
+            <a:avLst/>
+          </a:prstGeom>
+          <a:noFill/>
+          <a:ln w="28575">
+            <a:solidFill>
+              <a:srgbClr val="0D1117"/>
+            </a:solidFill>
+          </a:ln>
+        </p:spPr>
+        <p:txBody>
+          <a:bodyPr wrap="square" rtlCol="0">
+            <a:spAutoFit/>
+          </a:bodyPr>
+          <a:lstStyle/>
+          <a:p>
+            <a:r>
+              <a:rPr lang="en-GB" sz="1400" b="1" dirty="0">
+                <a:latin typeface="Cascadia Code" panose="020B0609020000020004" pitchFamily="49" charset="0"/>
+                <a:cs typeface="Cascadia Code" panose="020B0609020000020004" pitchFamily="49" charset="0"/>
+              </a:rPr>
+              <a:t>Port 3/4</a:t>
+            </a:r>
+          </a:p>
+          <a:p>
+            <a:r>
+              <a:rPr lang="en-GB" sz="1400" b="1" dirty="0">
+                <a:latin typeface="Cascadia Code" panose="020B0609020000020004" pitchFamily="49" charset="0"/>
+                <a:cs typeface="Cascadia Code" panose="020B0609020000020004" pitchFamily="49" charset="0"/>
+              </a:rPr>
+              <a:t>Db25 Pin		Pi pin</a:t>
+            </a:r>
+          </a:p>
+          <a:p>
+            <a:r>
+              <a:rPr lang="en-GB" sz="1400" dirty="0">
+                <a:solidFill>
+                  <a:srgbClr val="FFC000"/>
+                </a:solidFill>
+                <a:latin typeface="Cascadia Code" panose="020B0609020000020004" pitchFamily="49" charset="0"/>
+                <a:cs typeface="Cascadia Code" panose="020B0609020000020004" pitchFamily="49" charset="0"/>
+              </a:rPr>
+              <a:t>1 		Right 5</a:t>
+            </a:r>
+          </a:p>
+          <a:p>
+            <a:r>
+              <a:rPr lang="en-GB" sz="1400" dirty="0">
+                <a:solidFill>
+                  <a:srgbClr val="FFC000"/>
+                </a:solidFill>
+                <a:latin typeface="Cascadia Code" panose="020B0609020000020004" pitchFamily="49" charset="0"/>
+                <a:cs typeface="Cascadia Code" panose="020B0609020000020004" pitchFamily="49" charset="0"/>
+              </a:rPr>
+              <a:t>14 		Left 0</a:t>
+            </a:r>
+          </a:p>
+          <a:p>
+            <a:r>
+              <a:rPr lang="en-GB" sz="1400" dirty="0">
+                <a:solidFill>
+                  <a:srgbClr val="FFC000"/>
+                </a:solidFill>
+                <a:latin typeface="Cascadia Code" panose="020B0609020000020004" pitchFamily="49" charset="0"/>
+                <a:cs typeface="Cascadia Code" panose="020B0609020000020004" pitchFamily="49" charset="0"/>
+              </a:rPr>
+              <a:t>2 		Pellet 6</a:t>
+            </a:r>
+          </a:p>
+          <a:p>
+            <a:r>
+              <a:rPr lang="en-GB" sz="1400" dirty="0">
+                <a:solidFill>
+                  <a:srgbClr val="00B050"/>
+                </a:solidFill>
+                <a:latin typeface="Cascadia Code" panose="020B0609020000020004" pitchFamily="49" charset="0"/>
+                <a:cs typeface="Cascadia Code" panose="020B0609020000020004" pitchFamily="49" charset="0"/>
+              </a:rPr>
+              <a:t>15 		Right 19</a:t>
+            </a:r>
+          </a:p>
+          <a:p>
+            <a:r>
+              <a:rPr lang="en-GB" sz="1400" dirty="0">
+                <a:solidFill>
+                  <a:srgbClr val="00B050"/>
+                </a:solidFill>
+                <a:latin typeface="Cascadia Code" panose="020B0609020000020004" pitchFamily="49" charset="0"/>
+                <a:cs typeface="Cascadia Code" panose="020B0609020000020004" pitchFamily="49" charset="0"/>
+              </a:rPr>
+              <a:t>3 		Left 13</a:t>
+            </a:r>
+          </a:p>
+          <a:p>
+            <a:r>
+              <a:rPr lang="en-GB" sz="1400" dirty="0">
+                <a:solidFill>
+                  <a:srgbClr val="00B050"/>
+                </a:solidFill>
+                <a:latin typeface="Cascadia Code" panose="020B0609020000020004" pitchFamily="49" charset="0"/>
+                <a:cs typeface="Cascadia Code" panose="020B0609020000020004" pitchFamily="49" charset="0"/>
+              </a:rPr>
+              <a:t>16 		Pellet 26</a:t>
+            </a:r>
+          </a:p>
+          <a:p>
+            <a:r>
+              <a:rPr lang="en-GB" sz="1400" dirty="0">
+                <a:solidFill>
+                  <a:srgbClr val="7030A0"/>
+                </a:solidFill>
+                <a:latin typeface="Cascadia Code" panose="020B0609020000020004" pitchFamily="49" charset="0"/>
+                <a:cs typeface="Cascadia Code" panose="020B0609020000020004" pitchFamily="49" charset="0"/>
+              </a:rPr>
+              <a:t>5 		Ground</a:t>
+            </a:r>
+          </a:p>
+          <a:p>
+            <a:endParaRPr lang="en-GB" sz="1400" dirty="0">
+              <a:latin typeface="Cascadia Code" panose="020B0609020000020004" pitchFamily="49" charset="0"/>
+              <a:cs typeface="Cascadia Code" panose="020B0609020000020004" pitchFamily="49" charset="0"/>
+            </a:endParaRPr>
+          </a:p>
+        </p:txBody>
+      </p:sp>
+      <p:sp>
+        <p:nvSpPr>
+          <p:cNvPr id="18" name="TextBox 17">
+            <a:extLst>
+              <a:ext uri="{FF2B5EF4-FFF2-40B4-BE49-F238E27FC236}">
+                <a16:creationId xmlns:a16="http://schemas.microsoft.com/office/drawing/2014/main" id="{B9E67AF0-25CC-D59E-2888-2B8256D6E7A4}"/>
+              </a:ext>
+            </a:extLst>
+          </p:cNvPr>
+          <p:cNvSpPr txBox="1"/>
+          <p:nvPr/>
+        </p:nvSpPr>
+        <p:spPr>
+          <a:xfrm>
+            <a:off x="272297" y="2660160"/>
+            <a:ext cx="3841169" cy="1938992"/>
+          </a:xfrm>
+          <a:prstGeom prst="rect">
+            <a:avLst/>
+          </a:prstGeom>
+          <a:noFill/>
+          <a:ln w="28575">
+            <a:solidFill>
+              <a:srgbClr val="0D1117"/>
+            </a:solidFill>
+          </a:ln>
+        </p:spPr>
+        <p:txBody>
+          <a:bodyPr wrap="square">
+            <a:spAutoFit/>
+          </a:bodyPr>
+          <a:lstStyle/>
+          <a:p>
+            <a:r>
+              <a:rPr lang="en-GB" sz="1200" noProof="1"/>
+              <a:t>gpio_pins_per_device = {</a:t>
+            </a:r>
+          </a:p>
+          <a:p>
+            <a:r>
+              <a:rPr lang="en-GB" sz="1200" noProof="1">
+                <a:solidFill>
+                  <a:srgbClr val="00B0F0"/>
+                </a:solidFill>
+              </a:rPr>
+              <a:t>    'Port 1': {"LeftPoke": 17, "RightPoke": 27, "Pellet": 22},</a:t>
+            </a:r>
+          </a:p>
+          <a:p>
+            <a:r>
+              <a:rPr lang="en-GB" sz="1200" noProof="1"/>
+              <a:t>    </a:t>
+            </a:r>
+            <a:r>
+              <a:rPr lang="en-GB" sz="1200" noProof="1">
+                <a:solidFill>
+                  <a:srgbClr val="FF0000"/>
+                </a:solidFill>
+              </a:rPr>
+              <a:t>'Port 2': {"LeftPoke": 10, "RightPoke": 9,  "Pellet": 11},</a:t>
+            </a:r>
+          </a:p>
+          <a:p>
+            <a:r>
+              <a:rPr lang="en-GB" sz="1200" noProof="1">
+                <a:solidFill>
+                  <a:srgbClr val="7030A0"/>
+                </a:solidFill>
+              </a:rPr>
+              <a:t>    </a:t>
+            </a:r>
+            <a:r>
+              <a:rPr lang="en-GB" sz="1200" noProof="1">
+                <a:solidFill>
+                  <a:srgbClr val="FFC000"/>
+                </a:solidFill>
+              </a:rPr>
+              <a:t>'Port 3': {"LeftPoke": 0,  "RightPoke": 5,  "Pellet": 6},</a:t>
+            </a:r>
+          </a:p>
+          <a:p>
+            <a:r>
+              <a:rPr lang="en-GB" sz="1200" noProof="1">
+                <a:solidFill>
+                  <a:srgbClr val="00B050"/>
+                </a:solidFill>
+              </a:rPr>
+              <a:t>    'Port 4': {"LeftPoke": 13, "RightPoke": 19, "Pellet": 26},</a:t>
+            </a:r>
+          </a:p>
+          <a:p>
+            <a:r>
+              <a:rPr lang="en-GB" sz="1200" noProof="1">
+                <a:solidFill>
+                  <a:schemeClr val="bg1">
+                    <a:lumMod val="75000"/>
+                  </a:schemeClr>
+                </a:solidFill>
+              </a:rPr>
+              <a:t>    'Port 5': {"LeftPoke": 14, "RightPoke": 15, "Pellet": 18},</a:t>
+            </a:r>
+          </a:p>
+          <a:p>
+            <a:r>
+              <a:rPr lang="en-GB" sz="1200" noProof="1">
+                <a:solidFill>
+                  <a:schemeClr val="bg1">
+                    <a:lumMod val="75000"/>
+                  </a:schemeClr>
+                </a:solidFill>
+              </a:rPr>
+              <a:t>    'Port 6': {"LeftPoke": 23, "RightPoke": 24, "Pellet": 25},</a:t>
+            </a:r>
+          </a:p>
+          <a:p>
+            <a:r>
+              <a:rPr lang="en-GB" sz="1200" noProof="1">
+                <a:solidFill>
+                  <a:schemeClr val="bg1">
+                    <a:lumMod val="75000"/>
+                  </a:schemeClr>
+                </a:solidFill>
+              </a:rPr>
+              <a:t>    'Port 7': {"LeftPoke": 8,  "RightPoke": 7,  "Pellet": 1},</a:t>
+            </a:r>
+          </a:p>
+          <a:p>
+            <a:r>
+              <a:rPr lang="en-GB" sz="1200" noProof="1">
+                <a:solidFill>
+                  <a:schemeClr val="bg1">
+                    <a:lumMod val="75000"/>
+                  </a:schemeClr>
+                </a:solidFill>
+              </a:rPr>
+              <a:t>    'Port 8': {"LeftPoke": 12, "RightPoke": 16, "Pellet": 20},</a:t>
+            </a:r>
+          </a:p>
+          <a:p>
+            <a:r>
+              <a:rPr lang="en-GB" sz="1200" noProof="1"/>
+              <a:t>}</a:t>
+            </a:r>
+          </a:p>
+        </p:txBody>
+      </p:sp>
+      <p:cxnSp>
+        <p:nvCxnSpPr>
+          <p:cNvPr id="20" name="Straight Arrow Connector 19">
+            <a:extLst>
+              <a:ext uri="{FF2B5EF4-FFF2-40B4-BE49-F238E27FC236}">
+                <a16:creationId xmlns:a16="http://schemas.microsoft.com/office/drawing/2014/main" id="{780998AB-F1FD-22A1-8C5D-4308CBA3A775}"/>
+              </a:ext>
+            </a:extLst>
+          </p:cNvPr>
+          <p:cNvCxnSpPr>
+            <a:cxnSpLocks/>
+          </p:cNvCxnSpPr>
+          <p:nvPr/>
+        </p:nvCxnSpPr>
+        <p:spPr>
+          <a:xfrm flipV="1">
+            <a:off x="3893771" y="1585773"/>
+            <a:ext cx="3512869" cy="3861"/>
+          </a:xfrm>
+          <a:prstGeom prst="straightConnector1">
+            <a:avLst/>
+          </a:prstGeom>
+          <a:ln w="38100">
+            <a:solidFill>
+              <a:schemeClr val="tx1"/>
+            </a:solidFill>
+            <a:prstDash val="dashDot"/>
+            <a:tailEnd type="triangle"/>
+          </a:ln>
+        </p:spPr>
+        <p:style>
+          <a:lnRef idx="2">
+            <a:schemeClr val="accent1"/>
+          </a:lnRef>
+          <a:fillRef idx="0">
+            <a:schemeClr val="accent1"/>
+          </a:fillRef>
+          <a:effectRef idx="1">
+            <a:schemeClr val="accent1"/>
+          </a:effectRef>
+          <a:fontRef idx="minor">
+            <a:schemeClr val="tx1"/>
+          </a:fontRef>
+        </p:style>
+      </p:cxnSp>
+      <p:sp>
+        <p:nvSpPr>
+          <p:cNvPr id="21" name="TextBox 20">
+            <a:extLst>
+              <a:ext uri="{FF2B5EF4-FFF2-40B4-BE49-F238E27FC236}">
+                <a16:creationId xmlns:a16="http://schemas.microsoft.com/office/drawing/2014/main" id="{0C8CE69D-65AE-4604-245B-7AFD56C55DC2}"/>
+              </a:ext>
+            </a:extLst>
+          </p:cNvPr>
+          <p:cNvSpPr txBox="1"/>
+          <p:nvPr/>
+        </p:nvSpPr>
+        <p:spPr>
+          <a:xfrm>
+            <a:off x="693893" y="361577"/>
+            <a:ext cx="2825389" cy="369332"/>
+          </a:xfrm>
+          <a:prstGeom prst="rect">
+            <a:avLst/>
+          </a:prstGeom>
+          <a:noFill/>
+        </p:spPr>
+        <p:txBody>
+          <a:bodyPr wrap="none" rtlCol="0">
+            <a:spAutoFit/>
+          </a:bodyPr>
+          <a:lstStyle/>
+          <a:p>
+            <a:r>
+              <a:rPr lang="en-GB" b="1" dirty="0"/>
+              <a:t>Raspberry Pi GPIO pinout</a:t>
+            </a:r>
+          </a:p>
+        </p:txBody>
+      </p:sp>
+      <p:sp>
+        <p:nvSpPr>
+          <p:cNvPr id="22" name="TextBox 21">
+            <a:extLst>
+              <a:ext uri="{FF2B5EF4-FFF2-40B4-BE49-F238E27FC236}">
+                <a16:creationId xmlns:a16="http://schemas.microsoft.com/office/drawing/2014/main" id="{C7AE5300-99B5-5223-5B22-F29C053B3B65}"/>
+              </a:ext>
+            </a:extLst>
+          </p:cNvPr>
+          <p:cNvSpPr txBox="1"/>
+          <p:nvPr/>
+        </p:nvSpPr>
+        <p:spPr>
+          <a:xfrm>
+            <a:off x="7820951" y="176911"/>
+            <a:ext cx="2414892" cy="369332"/>
+          </a:xfrm>
+          <a:prstGeom prst="rect">
+            <a:avLst/>
+          </a:prstGeom>
+          <a:noFill/>
+        </p:spPr>
+        <p:txBody>
+          <a:bodyPr wrap="none" rtlCol="0">
+            <a:spAutoFit/>
+          </a:bodyPr>
+          <a:lstStyle/>
+          <a:p>
+            <a:r>
+              <a:rPr lang="en-GB" b="1" dirty="0"/>
+              <a:t>Db25 breakout to TDT</a:t>
+            </a:r>
+          </a:p>
+        </p:txBody>
+      </p:sp>
+    </p:spTree>
+    <p:extLst>
+      <p:ext uri="{BB962C8B-B14F-4D97-AF65-F5344CB8AC3E}">
+        <p14:creationId xmlns:p14="http://schemas.microsoft.com/office/powerpoint/2010/main" val="3948861520"/>
       </p:ext>
     </p:extLst>
   </p:cSld>
